--- a/Texture(AsyncDisplayKit)异步渲染源码解析/class.pptx
+++ b/Texture(AsyncDisplayKit)异步渲染源码解析/class.pptx
@@ -6,6 +6,7 @@
   </p:sldMasterIdLst>
   <p:sldIdLst>
     <p:sldId id="256" r:id="rId2"/>
+    <p:sldId id="257" r:id="rId3"/>
   </p:sldIdLst>
   <p:sldSz cx="12192000" cy="6858000"/>
   <p:notesSz cx="6858000" cy="9144000"/>
@@ -104,6 +105,11 @@
       </a:defRPr>
     </a:lvl9pPr>
   </p:defaultTextStyle>
+  <p:extLst>
+    <p:ext uri="{EFAFB233-063F-42B5-8137-9DF3F51BA10A}">
+      <p15:sldGuideLst xmlns:p15="http://schemas.microsoft.com/office/powerpoint/2012/main"/>
+    </p:ext>
+  </p:extLst>
 </p:presentation>
 </file>
 
@@ -254,7 +260,7 @@
           <a:p>
             <a:fld id="{5B9ED057-86E5-DF4F-B617-85EFB4529DEA}" type="datetimeFigureOut">
               <a:rPr kumimoji="1" lang="zh-CN" altLang="en-US" smtClean="0"/>
-              <a:t>2019/6/20</a:t>
+              <a:t>2019/6/21</a:t>
             </a:fld>
             <a:endParaRPr kumimoji="1" lang="zh-CN" altLang="en-US"/>
           </a:p>
@@ -452,7 +458,7 @@
           <a:p>
             <a:fld id="{5B9ED057-86E5-DF4F-B617-85EFB4529DEA}" type="datetimeFigureOut">
               <a:rPr kumimoji="1" lang="zh-CN" altLang="en-US" smtClean="0"/>
-              <a:t>2019/6/20</a:t>
+              <a:t>2019/6/21</a:t>
             </a:fld>
             <a:endParaRPr kumimoji="1" lang="zh-CN" altLang="en-US"/>
           </a:p>
@@ -660,7 +666,7 @@
           <a:p>
             <a:fld id="{5B9ED057-86E5-DF4F-B617-85EFB4529DEA}" type="datetimeFigureOut">
               <a:rPr kumimoji="1" lang="zh-CN" altLang="en-US" smtClean="0"/>
-              <a:t>2019/6/20</a:t>
+              <a:t>2019/6/21</a:t>
             </a:fld>
             <a:endParaRPr kumimoji="1" lang="zh-CN" altLang="en-US"/>
           </a:p>
@@ -858,7 +864,7 @@
           <a:p>
             <a:fld id="{5B9ED057-86E5-DF4F-B617-85EFB4529DEA}" type="datetimeFigureOut">
               <a:rPr kumimoji="1" lang="zh-CN" altLang="en-US" smtClean="0"/>
-              <a:t>2019/6/20</a:t>
+              <a:t>2019/6/21</a:t>
             </a:fld>
             <a:endParaRPr kumimoji="1" lang="zh-CN" altLang="en-US"/>
           </a:p>
@@ -1133,7 +1139,7 @@
           <a:p>
             <a:fld id="{5B9ED057-86E5-DF4F-B617-85EFB4529DEA}" type="datetimeFigureOut">
               <a:rPr kumimoji="1" lang="zh-CN" altLang="en-US" smtClean="0"/>
-              <a:t>2019/6/20</a:t>
+              <a:t>2019/6/21</a:t>
             </a:fld>
             <a:endParaRPr kumimoji="1" lang="zh-CN" altLang="en-US"/>
           </a:p>
@@ -1398,7 +1404,7 @@
           <a:p>
             <a:fld id="{5B9ED057-86E5-DF4F-B617-85EFB4529DEA}" type="datetimeFigureOut">
               <a:rPr kumimoji="1" lang="zh-CN" altLang="en-US" smtClean="0"/>
-              <a:t>2019/6/20</a:t>
+              <a:t>2019/6/21</a:t>
             </a:fld>
             <a:endParaRPr kumimoji="1" lang="zh-CN" altLang="en-US"/>
           </a:p>
@@ -1810,7 +1816,7 @@
           <a:p>
             <a:fld id="{5B9ED057-86E5-DF4F-B617-85EFB4529DEA}" type="datetimeFigureOut">
               <a:rPr kumimoji="1" lang="zh-CN" altLang="en-US" smtClean="0"/>
-              <a:t>2019/6/20</a:t>
+              <a:t>2019/6/21</a:t>
             </a:fld>
             <a:endParaRPr kumimoji="1" lang="zh-CN" altLang="en-US"/>
           </a:p>
@@ -1951,7 +1957,7 @@
           <a:p>
             <a:fld id="{5B9ED057-86E5-DF4F-B617-85EFB4529DEA}" type="datetimeFigureOut">
               <a:rPr kumimoji="1" lang="zh-CN" altLang="en-US" smtClean="0"/>
-              <a:t>2019/6/20</a:t>
+              <a:t>2019/6/21</a:t>
             </a:fld>
             <a:endParaRPr kumimoji="1" lang="zh-CN" altLang="en-US"/>
           </a:p>
@@ -2064,7 +2070,7 @@
           <a:p>
             <a:fld id="{5B9ED057-86E5-DF4F-B617-85EFB4529DEA}" type="datetimeFigureOut">
               <a:rPr kumimoji="1" lang="zh-CN" altLang="en-US" smtClean="0"/>
-              <a:t>2019/6/20</a:t>
+              <a:t>2019/6/21</a:t>
             </a:fld>
             <a:endParaRPr kumimoji="1" lang="zh-CN" altLang="en-US"/>
           </a:p>
@@ -2375,7 +2381,7 @@
           <a:p>
             <a:fld id="{5B9ED057-86E5-DF4F-B617-85EFB4529DEA}" type="datetimeFigureOut">
               <a:rPr kumimoji="1" lang="zh-CN" altLang="en-US" smtClean="0"/>
-              <a:t>2019/6/20</a:t>
+              <a:t>2019/6/21</a:t>
             </a:fld>
             <a:endParaRPr kumimoji="1" lang="zh-CN" altLang="en-US"/>
           </a:p>
@@ -2663,7 +2669,7 @@
           <a:p>
             <a:fld id="{5B9ED057-86E5-DF4F-B617-85EFB4529DEA}" type="datetimeFigureOut">
               <a:rPr kumimoji="1" lang="zh-CN" altLang="en-US" smtClean="0"/>
-              <a:t>2019/6/20</a:t>
+              <a:t>2019/6/21</a:t>
             </a:fld>
             <a:endParaRPr kumimoji="1" lang="zh-CN" altLang="en-US"/>
           </a:p>
@@ -2904,7 +2910,7 @@
           <a:p>
             <a:fld id="{5B9ED057-86E5-DF4F-B617-85EFB4529DEA}" type="datetimeFigureOut">
               <a:rPr kumimoji="1" lang="zh-CN" altLang="en-US" smtClean="0"/>
-              <a:t>2019/6/20</a:t>
+              <a:t>2019/6/21</a:t>
             </a:fld>
             <a:endParaRPr kumimoji="1" lang="zh-CN" altLang="en-US"/>
           </a:p>
@@ -3789,6 +3795,700 @@
 </p:sld>
 </file>
 
+<file path=ppt/slides/slide2.xml><?xml version="1.0" encoding="utf-8"?>
+<p:sld xmlns:a="http://schemas.openxmlformats.org/drawingml/2006/main" xmlns:r="http://schemas.openxmlformats.org/officeDocument/2006/relationships" xmlns:p="http://schemas.openxmlformats.org/presentationml/2006/main">
+  <p:cSld>
+    <p:spTree>
+      <p:nvGrpSpPr>
+        <p:cNvPr id="1" name=""/>
+        <p:cNvGrpSpPr/>
+        <p:nvPr/>
+      </p:nvGrpSpPr>
+      <p:grpSpPr>
+        <a:xfrm>
+          <a:off x="0" y="0"/>
+          <a:ext cx="0" cy="0"/>
+          <a:chOff x="0" y="0"/>
+          <a:chExt cx="0" cy="0"/>
+        </a:xfrm>
+      </p:grpSpPr>
+      <p:sp>
+        <p:nvSpPr>
+          <p:cNvPr id="4" name="圆角矩形 3">
+            <a:extLst>
+              <a:ext uri="{FF2B5EF4-FFF2-40B4-BE49-F238E27FC236}">
+                <a16:creationId xmlns:a16="http://schemas.microsoft.com/office/drawing/2014/main" id="{E986B248-0EA3-B443-A3B5-0FB993EB8B65}"/>
+              </a:ext>
+            </a:extLst>
+          </p:cNvPr>
+          <p:cNvSpPr/>
+          <p:nvPr/>
+        </p:nvSpPr>
+        <p:spPr>
+          <a:xfrm>
+            <a:off x="1495232" y="1592494"/>
+            <a:ext cx="2506896" cy="606175"/>
+          </a:xfrm>
+          <a:prstGeom prst="roundRect">
+            <a:avLst/>
+          </a:prstGeom>
+        </p:spPr>
+        <p:style>
+          <a:lnRef idx="2">
+            <a:schemeClr val="accent5">
+              <a:shade val="50000"/>
+            </a:schemeClr>
+          </a:lnRef>
+          <a:fillRef idx="1">
+            <a:schemeClr val="accent5"/>
+          </a:fillRef>
+          <a:effectRef idx="0">
+            <a:schemeClr val="accent5"/>
+          </a:effectRef>
+          <a:fontRef idx="minor">
+            <a:schemeClr val="lt1"/>
+          </a:fontRef>
+        </p:style>
+        <p:txBody>
+          <a:bodyPr rtlCol="0" anchor="ctr"/>
+          <a:lstStyle/>
+          <a:p>
+            <a:pPr algn="ctr"/>
+            <a:r>
+              <a:rPr lang="en" altLang="zh-CN" dirty="0" err="1"/>
+              <a:t>endUpdatesAnimated</a:t>
+            </a:r>
+            <a:r>
+              <a:rPr lang="en" altLang="zh-CN" dirty="0"/>
+              <a:t>:</a:t>
+            </a:r>
+            <a:endParaRPr kumimoji="1" lang="zh-CN" altLang="en-US" dirty="0"/>
+          </a:p>
+        </p:txBody>
+      </p:sp>
+      <p:sp>
+        <p:nvSpPr>
+          <p:cNvPr id="5" name="文本框 4">
+            <a:extLst>
+              <a:ext uri="{FF2B5EF4-FFF2-40B4-BE49-F238E27FC236}">
+                <a16:creationId xmlns:a16="http://schemas.microsoft.com/office/drawing/2014/main" id="{0C39D3B3-D47F-154B-B400-62DBAFE27D55}"/>
+              </a:ext>
+            </a:extLst>
+          </p:cNvPr>
+          <p:cNvSpPr txBox="1"/>
+          <p:nvPr/>
+        </p:nvSpPr>
+        <p:spPr>
+          <a:xfrm>
+            <a:off x="1993184" y="871636"/>
+            <a:ext cx="1510991" cy="369332"/>
+          </a:xfrm>
+          <a:prstGeom prst="rect">
+            <a:avLst/>
+          </a:prstGeom>
+          <a:noFill/>
+        </p:spPr>
+        <p:txBody>
+          <a:bodyPr wrap="none" rtlCol="0">
+            <a:spAutoFit/>
+          </a:bodyPr>
+          <a:lstStyle/>
+          <a:p>
+            <a:r>
+              <a:rPr lang="en" altLang="zh-CN" dirty="0" err="1"/>
+              <a:t>ASTableView</a:t>
+            </a:r>
+            <a:endParaRPr kumimoji="1" lang="zh-CN" altLang="en-US" dirty="0"/>
+          </a:p>
+        </p:txBody>
+      </p:sp>
+      <p:sp>
+        <p:nvSpPr>
+          <p:cNvPr id="6" name="文本框 5">
+            <a:extLst>
+              <a:ext uri="{FF2B5EF4-FFF2-40B4-BE49-F238E27FC236}">
+                <a16:creationId xmlns:a16="http://schemas.microsoft.com/office/drawing/2014/main" id="{DC2C0BA8-3FAB-6E4C-8C57-F0DFAC887752}"/>
+              </a:ext>
+            </a:extLst>
+          </p:cNvPr>
+          <p:cNvSpPr txBox="1"/>
+          <p:nvPr/>
+        </p:nvSpPr>
+        <p:spPr>
+          <a:xfrm>
+            <a:off x="4775777" y="895128"/>
+            <a:ext cx="1972656" cy="369332"/>
+          </a:xfrm>
+          <a:prstGeom prst="rect">
+            <a:avLst/>
+          </a:prstGeom>
+          <a:noFill/>
+        </p:spPr>
+        <p:txBody>
+          <a:bodyPr wrap="none" rtlCol="0">
+            <a:spAutoFit/>
+          </a:bodyPr>
+          <a:lstStyle/>
+          <a:p>
+            <a:r>
+              <a:rPr lang="en" altLang="zh-CN" dirty="0" err="1"/>
+              <a:t>ASDataController</a:t>
+            </a:r>
+            <a:endParaRPr kumimoji="1" lang="zh-CN" altLang="en-US" dirty="0"/>
+          </a:p>
+        </p:txBody>
+      </p:sp>
+      <p:sp>
+        <p:nvSpPr>
+          <p:cNvPr id="7" name="圆角矩形 6">
+            <a:extLst>
+              <a:ext uri="{FF2B5EF4-FFF2-40B4-BE49-F238E27FC236}">
+                <a16:creationId xmlns:a16="http://schemas.microsoft.com/office/drawing/2014/main" id="{EF5370AF-7933-2643-A88F-D95AEF2400F1}"/>
+              </a:ext>
+            </a:extLst>
+          </p:cNvPr>
+          <p:cNvSpPr/>
+          <p:nvPr/>
+        </p:nvSpPr>
+        <p:spPr>
+          <a:xfrm>
+            <a:off x="4508657" y="1592493"/>
+            <a:ext cx="2506896" cy="606175"/>
+          </a:xfrm>
+          <a:prstGeom prst="roundRect">
+            <a:avLst/>
+          </a:prstGeom>
+        </p:spPr>
+        <p:style>
+          <a:lnRef idx="2">
+            <a:schemeClr val="accent5">
+              <a:shade val="50000"/>
+            </a:schemeClr>
+          </a:lnRef>
+          <a:fillRef idx="1">
+            <a:schemeClr val="accent5"/>
+          </a:fillRef>
+          <a:effectRef idx="0">
+            <a:schemeClr val="accent5"/>
+          </a:effectRef>
+          <a:fontRef idx="minor">
+            <a:schemeClr val="lt1"/>
+          </a:fontRef>
+        </p:style>
+        <p:txBody>
+          <a:bodyPr rtlCol="0" anchor="ctr"/>
+          <a:lstStyle/>
+          <a:p>
+            <a:pPr algn="ctr"/>
+            <a:r>
+              <a:rPr lang="en" altLang="zh-CN" dirty="0" err="1"/>
+              <a:t>updateWithChangeSet</a:t>
+            </a:r>
+            <a:r>
+              <a:rPr lang="en" altLang="zh-CN" dirty="0"/>
+              <a:t>:</a:t>
+            </a:r>
+            <a:endParaRPr kumimoji="1" lang="zh-CN" altLang="en-US" dirty="0"/>
+          </a:p>
+        </p:txBody>
+      </p:sp>
+      <p:sp>
+        <p:nvSpPr>
+          <p:cNvPr id="8" name="圆角矩形 7">
+            <a:extLst>
+              <a:ext uri="{FF2B5EF4-FFF2-40B4-BE49-F238E27FC236}">
+                <a16:creationId xmlns:a16="http://schemas.microsoft.com/office/drawing/2014/main" id="{B4E055E6-A4CC-7C4A-AACB-1A442A6D3F6F}"/>
+              </a:ext>
+            </a:extLst>
+          </p:cNvPr>
+          <p:cNvSpPr/>
+          <p:nvPr/>
+        </p:nvSpPr>
+        <p:spPr>
+          <a:xfrm>
+            <a:off x="4179036" y="2592947"/>
+            <a:ext cx="3166138" cy="606175"/>
+          </a:xfrm>
+          <a:prstGeom prst="roundRect">
+            <a:avLst/>
+          </a:prstGeom>
+        </p:spPr>
+        <p:style>
+          <a:lnRef idx="2">
+            <a:schemeClr val="accent5">
+              <a:shade val="50000"/>
+            </a:schemeClr>
+          </a:lnRef>
+          <a:fillRef idx="1">
+            <a:schemeClr val="accent5"/>
+          </a:fillRef>
+          <a:effectRef idx="0">
+            <a:schemeClr val="accent5"/>
+          </a:effectRef>
+          <a:fontRef idx="minor">
+            <a:schemeClr val="lt1"/>
+          </a:fontRef>
+        </p:style>
+        <p:txBody>
+          <a:bodyPr rtlCol="0" anchor="ctr"/>
+          <a:lstStyle/>
+          <a:p>
+            <a:pPr algn="ctr"/>
+            <a:r>
+              <a:rPr lang="en" altLang="zh-CN" dirty="0"/>
+              <a:t>_</a:t>
+            </a:r>
+            <a:r>
+              <a:rPr lang="en" altLang="zh-CN" dirty="0" err="1"/>
+              <a:t>allocateNodesFromElements</a:t>
+            </a:r>
+            <a:r>
+              <a:rPr lang="en" altLang="zh-CN" dirty="0"/>
+              <a:t>:</a:t>
+            </a:r>
+            <a:endParaRPr kumimoji="1" lang="zh-CN" altLang="en-US" dirty="0"/>
+          </a:p>
+        </p:txBody>
+      </p:sp>
+      <p:cxnSp>
+        <p:nvCxnSpPr>
+          <p:cNvPr id="10" name="直线连接符 9">
+            <a:extLst>
+              <a:ext uri="{FF2B5EF4-FFF2-40B4-BE49-F238E27FC236}">
+                <a16:creationId xmlns:a16="http://schemas.microsoft.com/office/drawing/2014/main" id="{29E319A8-26BF-F745-988B-BCF32849F7CD}"/>
+              </a:ext>
+            </a:extLst>
+          </p:cNvPr>
+          <p:cNvCxnSpPr>
+            <a:cxnSpLocks/>
+          </p:cNvCxnSpPr>
+          <p:nvPr/>
+        </p:nvCxnSpPr>
+        <p:spPr>
+          <a:xfrm>
+            <a:off x="146078" y="3429000"/>
+            <a:ext cx="10035612" cy="0"/>
+          </a:xfrm>
+          <a:prstGeom prst="line">
+            <a:avLst/>
+          </a:prstGeom>
+        </p:spPr>
+        <p:style>
+          <a:lnRef idx="1">
+            <a:schemeClr val="accent1"/>
+          </a:lnRef>
+          <a:fillRef idx="0">
+            <a:schemeClr val="accent1"/>
+          </a:fillRef>
+          <a:effectRef idx="0">
+            <a:schemeClr val="accent1"/>
+          </a:effectRef>
+          <a:fontRef idx="minor">
+            <a:schemeClr val="tx1"/>
+          </a:fontRef>
+        </p:style>
+      </p:cxnSp>
+      <p:sp>
+        <p:nvSpPr>
+          <p:cNvPr id="11" name="文本框 10">
+            <a:extLst>
+              <a:ext uri="{FF2B5EF4-FFF2-40B4-BE49-F238E27FC236}">
+                <a16:creationId xmlns:a16="http://schemas.microsoft.com/office/drawing/2014/main" id="{15E53271-867F-5B4A-AAEB-EFC770E31600}"/>
+              </a:ext>
+            </a:extLst>
+          </p:cNvPr>
+          <p:cNvSpPr txBox="1"/>
+          <p:nvPr/>
+        </p:nvSpPr>
+        <p:spPr>
+          <a:xfrm>
+            <a:off x="164373" y="1710914"/>
+            <a:ext cx="1061509" cy="369332"/>
+          </a:xfrm>
+          <a:prstGeom prst="rect">
+            <a:avLst/>
+          </a:prstGeom>
+          <a:noFill/>
+        </p:spPr>
+        <p:txBody>
+          <a:bodyPr wrap="none" rtlCol="0">
+            <a:spAutoFit/>
+          </a:bodyPr>
+          <a:lstStyle/>
+          <a:p>
+            <a:r>
+              <a:rPr kumimoji="1" lang="en-US" altLang="zh-CN" dirty="0"/>
+              <a:t>Thread 1</a:t>
+            </a:r>
+            <a:endParaRPr kumimoji="1" lang="zh-CN" altLang="en-US" dirty="0"/>
+          </a:p>
+        </p:txBody>
+      </p:sp>
+      <p:sp>
+        <p:nvSpPr>
+          <p:cNvPr id="12" name="圆角矩形 11">
+            <a:extLst>
+              <a:ext uri="{FF2B5EF4-FFF2-40B4-BE49-F238E27FC236}">
+                <a16:creationId xmlns:a16="http://schemas.microsoft.com/office/drawing/2014/main" id="{B424FDD9-520D-7C4D-A4B0-B3499992A763}"/>
+              </a:ext>
+            </a:extLst>
+          </p:cNvPr>
+          <p:cNvSpPr/>
+          <p:nvPr/>
+        </p:nvSpPr>
+        <p:spPr>
+          <a:xfrm>
+            <a:off x="4908501" y="3664453"/>
+            <a:ext cx="1707208" cy="606175"/>
+          </a:xfrm>
+          <a:prstGeom prst="roundRect">
+            <a:avLst/>
+          </a:prstGeom>
+        </p:spPr>
+        <p:style>
+          <a:lnRef idx="2">
+            <a:schemeClr val="accent5">
+              <a:shade val="50000"/>
+            </a:schemeClr>
+          </a:lnRef>
+          <a:fillRef idx="1">
+            <a:schemeClr val="accent5"/>
+          </a:fillRef>
+          <a:effectRef idx="0">
+            <a:schemeClr val="accent5"/>
+          </a:effectRef>
+          <a:fontRef idx="minor">
+            <a:schemeClr val="lt1"/>
+          </a:fontRef>
+        </p:style>
+        <p:txBody>
+          <a:bodyPr rtlCol="0" anchor="ctr"/>
+          <a:lstStyle/>
+          <a:p>
+            <a:pPr algn="ctr"/>
+            <a:r>
+              <a:rPr lang="en" altLang="zh-CN" dirty="0"/>
+              <a:t>_</a:t>
+            </a:r>
+            <a:r>
+              <a:rPr lang="en" altLang="zh-CN" dirty="0" err="1"/>
+              <a:t>layoutNode</a:t>
+            </a:r>
+            <a:r>
+              <a:rPr lang="en" altLang="zh-CN" dirty="0"/>
+              <a:t>:</a:t>
+            </a:r>
+            <a:endParaRPr kumimoji="1" lang="zh-CN" altLang="en-US" dirty="0"/>
+          </a:p>
+        </p:txBody>
+      </p:sp>
+      <p:sp>
+        <p:nvSpPr>
+          <p:cNvPr id="13" name="文本框 12">
+            <a:extLst>
+              <a:ext uri="{FF2B5EF4-FFF2-40B4-BE49-F238E27FC236}">
+                <a16:creationId xmlns:a16="http://schemas.microsoft.com/office/drawing/2014/main" id="{C2F91406-9161-7C45-B9A4-CDD04FBEC779}"/>
+              </a:ext>
+            </a:extLst>
+          </p:cNvPr>
+          <p:cNvSpPr txBox="1"/>
+          <p:nvPr/>
+        </p:nvSpPr>
+        <p:spPr>
+          <a:xfrm>
+            <a:off x="146078" y="3782874"/>
+            <a:ext cx="1072730" cy="369332"/>
+          </a:xfrm>
+          <a:prstGeom prst="rect">
+            <a:avLst/>
+          </a:prstGeom>
+          <a:noFill/>
+        </p:spPr>
+        <p:txBody>
+          <a:bodyPr wrap="none" rtlCol="0">
+            <a:spAutoFit/>
+          </a:bodyPr>
+          <a:lstStyle/>
+          <a:p>
+            <a:r>
+              <a:rPr kumimoji="1" lang="en-US" altLang="zh-CN" dirty="0"/>
+              <a:t>Thread X</a:t>
+            </a:r>
+            <a:endParaRPr kumimoji="1" lang="zh-CN" altLang="en-US" dirty="0"/>
+          </a:p>
+        </p:txBody>
+      </p:sp>
+      <p:sp>
+        <p:nvSpPr>
+          <p:cNvPr id="14" name="文本框 13">
+            <a:extLst>
+              <a:ext uri="{FF2B5EF4-FFF2-40B4-BE49-F238E27FC236}">
+                <a16:creationId xmlns:a16="http://schemas.microsoft.com/office/drawing/2014/main" id="{AF189FEC-C2F1-0A4E-91EB-C18DA697A06B}"/>
+              </a:ext>
+            </a:extLst>
+          </p:cNvPr>
+          <p:cNvSpPr txBox="1"/>
+          <p:nvPr/>
+        </p:nvSpPr>
+        <p:spPr>
+          <a:xfrm>
+            <a:off x="8074025" y="868052"/>
+            <a:ext cx="1715534" cy="369332"/>
+          </a:xfrm>
+          <a:prstGeom prst="rect">
+            <a:avLst/>
+          </a:prstGeom>
+          <a:noFill/>
+        </p:spPr>
+        <p:txBody>
+          <a:bodyPr wrap="none" rtlCol="0">
+            <a:spAutoFit/>
+          </a:bodyPr>
+          <a:lstStyle/>
+          <a:p>
+            <a:r>
+              <a:rPr lang="en" altLang="zh-CN" dirty="0" err="1"/>
+              <a:t>ASDisplayNode</a:t>
+            </a:r>
+            <a:endParaRPr kumimoji="1" lang="zh-CN" altLang="en-US" dirty="0"/>
+          </a:p>
+        </p:txBody>
+      </p:sp>
+      <p:sp>
+        <p:nvSpPr>
+          <p:cNvPr id="15" name="圆角矩形 14">
+            <a:extLst>
+              <a:ext uri="{FF2B5EF4-FFF2-40B4-BE49-F238E27FC236}">
+                <a16:creationId xmlns:a16="http://schemas.microsoft.com/office/drawing/2014/main" id="{F47A6748-B977-544D-AFA5-880CEDF30EA1}"/>
+              </a:ext>
+            </a:extLst>
+          </p:cNvPr>
+          <p:cNvSpPr/>
+          <p:nvPr/>
+        </p:nvSpPr>
+        <p:spPr>
+          <a:xfrm>
+            <a:off x="8082351" y="3664452"/>
+            <a:ext cx="1707208" cy="606175"/>
+          </a:xfrm>
+          <a:prstGeom prst="roundRect">
+            <a:avLst/>
+          </a:prstGeom>
+        </p:spPr>
+        <p:style>
+          <a:lnRef idx="2">
+            <a:schemeClr val="accent5">
+              <a:shade val="50000"/>
+            </a:schemeClr>
+          </a:lnRef>
+          <a:fillRef idx="1">
+            <a:schemeClr val="accent5"/>
+          </a:fillRef>
+          <a:effectRef idx="0">
+            <a:schemeClr val="accent5"/>
+          </a:effectRef>
+          <a:fontRef idx="minor">
+            <a:schemeClr val="lt1"/>
+          </a:fontRef>
+        </p:style>
+        <p:txBody>
+          <a:bodyPr rtlCol="0" anchor="ctr"/>
+          <a:lstStyle/>
+          <a:p>
+            <a:pPr algn="ctr"/>
+            <a:r>
+              <a:rPr lang="en" altLang="zh-CN" dirty="0" err="1"/>
+              <a:t>layoutThatFits</a:t>
+            </a:r>
+            <a:r>
+              <a:rPr lang="en" altLang="zh-CN" dirty="0"/>
+              <a:t>:</a:t>
+            </a:r>
+            <a:endParaRPr kumimoji="1" lang="zh-CN" altLang="en-US" dirty="0"/>
+          </a:p>
+        </p:txBody>
+      </p:sp>
+      <p:cxnSp>
+        <p:nvCxnSpPr>
+          <p:cNvPr id="20" name="直线箭头连接符 19">
+            <a:extLst>
+              <a:ext uri="{FF2B5EF4-FFF2-40B4-BE49-F238E27FC236}">
+                <a16:creationId xmlns:a16="http://schemas.microsoft.com/office/drawing/2014/main" id="{902299BF-CA40-4449-BA4B-5C6927A57D38}"/>
+              </a:ext>
+            </a:extLst>
+          </p:cNvPr>
+          <p:cNvCxnSpPr>
+            <a:stCxn id="4" idx="3"/>
+            <a:endCxn id="7" idx="1"/>
+          </p:cNvCxnSpPr>
+          <p:nvPr/>
+        </p:nvCxnSpPr>
+        <p:spPr>
+          <a:xfrm flipV="1">
+            <a:off x="4002128" y="1895581"/>
+            <a:ext cx="506529" cy="1"/>
+          </a:xfrm>
+          <a:prstGeom prst="straightConnector1">
+            <a:avLst/>
+          </a:prstGeom>
+          <a:ln>
+            <a:tailEnd type="triangle"/>
+          </a:ln>
+        </p:spPr>
+        <p:style>
+          <a:lnRef idx="1">
+            <a:schemeClr val="accent1"/>
+          </a:lnRef>
+          <a:fillRef idx="0">
+            <a:schemeClr val="accent1"/>
+          </a:fillRef>
+          <a:effectRef idx="0">
+            <a:schemeClr val="accent1"/>
+          </a:effectRef>
+          <a:fontRef idx="minor">
+            <a:schemeClr val="tx1"/>
+          </a:fontRef>
+        </p:style>
+      </p:cxnSp>
+      <p:cxnSp>
+        <p:nvCxnSpPr>
+          <p:cNvPr id="23" name="直线箭头连接符 22">
+            <a:extLst>
+              <a:ext uri="{FF2B5EF4-FFF2-40B4-BE49-F238E27FC236}">
+                <a16:creationId xmlns:a16="http://schemas.microsoft.com/office/drawing/2014/main" id="{E89AF414-B3DA-FE4F-8B64-A3F611DB42E7}"/>
+              </a:ext>
+            </a:extLst>
+          </p:cNvPr>
+          <p:cNvCxnSpPr>
+            <a:stCxn id="7" idx="2"/>
+            <a:endCxn id="8" idx="0"/>
+          </p:cNvCxnSpPr>
+          <p:nvPr/>
+        </p:nvCxnSpPr>
+        <p:spPr>
+          <a:xfrm>
+            <a:off x="5762105" y="2198668"/>
+            <a:ext cx="0" cy="394279"/>
+          </a:xfrm>
+          <a:prstGeom prst="straightConnector1">
+            <a:avLst/>
+          </a:prstGeom>
+          <a:ln>
+            <a:tailEnd type="triangle"/>
+          </a:ln>
+        </p:spPr>
+        <p:style>
+          <a:lnRef idx="1">
+            <a:schemeClr val="accent1"/>
+          </a:lnRef>
+          <a:fillRef idx="0">
+            <a:schemeClr val="accent1"/>
+          </a:fillRef>
+          <a:effectRef idx="0">
+            <a:schemeClr val="accent1"/>
+          </a:effectRef>
+          <a:fontRef idx="minor">
+            <a:schemeClr val="tx1"/>
+          </a:fontRef>
+        </p:style>
+      </p:cxnSp>
+      <p:cxnSp>
+        <p:nvCxnSpPr>
+          <p:cNvPr id="25" name="直线箭头连接符 24">
+            <a:extLst>
+              <a:ext uri="{FF2B5EF4-FFF2-40B4-BE49-F238E27FC236}">
+                <a16:creationId xmlns:a16="http://schemas.microsoft.com/office/drawing/2014/main" id="{C5F81E57-E659-AE4C-8B4E-18A7A420579A}"/>
+              </a:ext>
+            </a:extLst>
+          </p:cNvPr>
+          <p:cNvCxnSpPr>
+            <a:stCxn id="8" idx="2"/>
+            <a:endCxn id="12" idx="0"/>
+          </p:cNvCxnSpPr>
+          <p:nvPr/>
+        </p:nvCxnSpPr>
+        <p:spPr>
+          <a:xfrm>
+            <a:off x="5762105" y="3199122"/>
+            <a:ext cx="0" cy="465331"/>
+          </a:xfrm>
+          <a:prstGeom prst="straightConnector1">
+            <a:avLst/>
+          </a:prstGeom>
+          <a:ln>
+            <a:tailEnd type="triangle"/>
+          </a:ln>
+        </p:spPr>
+        <p:style>
+          <a:lnRef idx="1">
+            <a:schemeClr val="accent1"/>
+          </a:lnRef>
+          <a:fillRef idx="0">
+            <a:schemeClr val="accent1"/>
+          </a:fillRef>
+          <a:effectRef idx="0">
+            <a:schemeClr val="accent1"/>
+          </a:effectRef>
+          <a:fontRef idx="minor">
+            <a:schemeClr val="tx1"/>
+          </a:fontRef>
+        </p:style>
+      </p:cxnSp>
+      <p:cxnSp>
+        <p:nvCxnSpPr>
+          <p:cNvPr id="27" name="直线箭头连接符 26">
+            <a:extLst>
+              <a:ext uri="{FF2B5EF4-FFF2-40B4-BE49-F238E27FC236}">
+                <a16:creationId xmlns:a16="http://schemas.microsoft.com/office/drawing/2014/main" id="{D9227ED0-AE65-BC46-BF58-8B8A2CE01500}"/>
+              </a:ext>
+            </a:extLst>
+          </p:cNvPr>
+          <p:cNvCxnSpPr>
+            <a:stCxn id="12" idx="3"/>
+            <a:endCxn id="15" idx="1"/>
+          </p:cNvCxnSpPr>
+          <p:nvPr/>
+        </p:nvCxnSpPr>
+        <p:spPr>
+          <a:xfrm flipV="1">
+            <a:off x="6615709" y="3967540"/>
+            <a:ext cx="1466642" cy="1"/>
+          </a:xfrm>
+          <a:prstGeom prst="straightConnector1">
+            <a:avLst/>
+          </a:prstGeom>
+          <a:ln>
+            <a:tailEnd type="triangle"/>
+          </a:ln>
+        </p:spPr>
+        <p:style>
+          <a:lnRef idx="1">
+            <a:schemeClr val="accent1"/>
+          </a:lnRef>
+          <a:fillRef idx="0">
+            <a:schemeClr val="accent1"/>
+          </a:fillRef>
+          <a:effectRef idx="0">
+            <a:schemeClr val="accent1"/>
+          </a:effectRef>
+          <a:fontRef idx="minor">
+            <a:schemeClr val="tx1"/>
+          </a:fontRef>
+        </p:style>
+      </p:cxnSp>
+    </p:spTree>
+    <p:extLst>
+      <p:ext uri="{BB962C8B-B14F-4D97-AF65-F5344CB8AC3E}">
+        <p14:creationId xmlns:p14="http://schemas.microsoft.com/office/powerpoint/2010/main" val="779346685"/>
+      </p:ext>
+    </p:extLst>
+  </p:cSld>
+  <p:clrMapOvr>
+    <a:masterClrMapping/>
+  </p:clrMapOvr>
+</p:sld>
+</file>
+
 <file path=ppt/theme/theme1.xml><?xml version="1.0" encoding="utf-8"?>
 <a:theme xmlns:a="http://schemas.openxmlformats.org/drawingml/2006/main" name="Office 主题​​">
   <a:themeElements>
